--- a/project_presentation.pptx
+++ b/project_presentation.pptx
@@ -271,7 +271,7 @@
           <a:p>
             <a:fld id="{11EAACC7-3B3F-47D1-959A-EF58926E955E}" type="datetimeFigureOut">
               <a:rPr lang="en-US" smtClean="0"/>
-              <a:t>3/3/21</a:t>
+              <a:t>3/9/2021</a:t>
             </a:fld>
             <a:endParaRPr lang="en-US"/>
           </a:p>
@@ -469,7 +469,7 @@
           <a:p>
             <a:fld id="{11EAACC7-3B3F-47D1-959A-EF58926E955E}" type="datetimeFigureOut">
               <a:rPr lang="en-US" smtClean="0"/>
-              <a:t>3/3/21</a:t>
+              <a:t>3/9/2021</a:t>
             </a:fld>
             <a:endParaRPr lang="en-US"/>
           </a:p>
@@ -677,7 +677,7 @@
           <a:p>
             <a:fld id="{11EAACC7-3B3F-47D1-959A-EF58926E955E}" type="datetimeFigureOut">
               <a:rPr lang="en-US" smtClean="0"/>
-              <a:t>3/3/21</a:t>
+              <a:t>3/9/2021</a:t>
             </a:fld>
             <a:endParaRPr lang="en-US"/>
           </a:p>
@@ -906,7 +906,7 @@
           <a:p>
             <a:fld id="{11EAACC7-3B3F-47D1-959A-EF58926E955E}" type="datetimeFigureOut">
               <a:rPr lang="en-US" smtClean="0"/>
-              <a:t>3/3/21</a:t>
+              <a:t>3/9/2021</a:t>
             </a:fld>
             <a:endParaRPr lang="en-US" dirty="0"/>
           </a:p>
@@ -1181,7 +1181,7 @@
           <a:p>
             <a:fld id="{11EAACC7-3B3F-47D1-959A-EF58926E955E}" type="datetimeFigureOut">
               <a:rPr lang="en-US" smtClean="0"/>
-              <a:t>3/3/21</a:t>
+              <a:t>3/9/2021</a:t>
             </a:fld>
             <a:endParaRPr lang="en-US"/>
           </a:p>
@@ -1447,7 +1447,7 @@
           <a:p>
             <a:fld id="{11EAACC7-3B3F-47D1-959A-EF58926E955E}" type="datetimeFigureOut">
               <a:rPr lang="en-US" smtClean="0"/>
-              <a:t>3/3/21</a:t>
+              <a:t>3/9/2021</a:t>
             </a:fld>
             <a:endParaRPr lang="en-US"/>
           </a:p>
@@ -1864,7 +1864,7 @@
           <a:p>
             <a:fld id="{11EAACC7-3B3F-47D1-959A-EF58926E955E}" type="datetimeFigureOut">
               <a:rPr lang="en-US" smtClean="0"/>
-              <a:t>3/3/21</a:t>
+              <a:t>3/9/2021</a:t>
             </a:fld>
             <a:endParaRPr lang="en-US"/>
           </a:p>
@@ -2005,7 +2005,7 @@
           <a:p>
             <a:fld id="{11EAACC7-3B3F-47D1-959A-EF58926E955E}" type="datetimeFigureOut">
               <a:rPr lang="en-US" smtClean="0"/>
-              <a:t>3/3/21</a:t>
+              <a:t>3/9/2021</a:t>
             </a:fld>
             <a:endParaRPr lang="en-US"/>
           </a:p>
@@ -2118,7 +2118,7 @@
           <a:p>
             <a:fld id="{11EAACC7-3B3F-47D1-959A-EF58926E955E}" type="datetimeFigureOut">
               <a:rPr lang="en-US" smtClean="0"/>
-              <a:t>3/3/21</a:t>
+              <a:t>3/9/2021</a:t>
             </a:fld>
             <a:endParaRPr lang="en-US"/>
           </a:p>
@@ -2429,7 +2429,7 @@
           <a:p>
             <a:fld id="{11EAACC7-3B3F-47D1-959A-EF58926E955E}" type="datetimeFigureOut">
               <a:rPr lang="en-US" smtClean="0"/>
-              <a:t>3/3/21</a:t>
+              <a:t>3/9/2021</a:t>
             </a:fld>
             <a:endParaRPr lang="en-US"/>
           </a:p>
@@ -2720,7 +2720,7 @@
           <a:p>
             <a:fld id="{11EAACC7-3B3F-47D1-959A-EF58926E955E}" type="datetimeFigureOut">
               <a:rPr lang="en-US" smtClean="0"/>
-              <a:t>3/3/21</a:t>
+              <a:t>3/9/2021</a:t>
             </a:fld>
             <a:endParaRPr lang="en-US"/>
           </a:p>
@@ -3277,7 +3277,7 @@
           <a:p>
             <a:fld id="{11EAACC7-3B3F-47D1-959A-EF58926E955E}" type="datetimeFigureOut">
               <a:rPr lang="en-US" smtClean="0"/>
-              <a:t>3/3/21</a:t>
+              <a:t>3/9/2021</a:t>
             </a:fld>
             <a:endParaRPr lang="en-US"/>
           </a:p>
@@ -3711,7 +3711,7 @@
       </p:grpSpPr>
       <p:sp useBgFill="1">
         <p:nvSpPr>
-          <p:cNvPr id="17" name="Rectangle 8">
+          <p:cNvPr id="33" name="Rectangle 25">
             <a:extLst>
               <a:ext uri="{FF2B5EF4-FFF2-40B4-BE49-F238E27FC236}">
                 <a16:creationId xmlns:a16="http://schemas.microsoft.com/office/drawing/2014/main" id="{BC88933B-CFB2-4662-9CA9-2C1E08385BA5}"/>
@@ -3787,7 +3787,7 @@
       </p:sp>
       <p:sp>
         <p:nvSpPr>
-          <p:cNvPr id="18" name="Rectangle 10">
+          <p:cNvPr id="34" name="Rectangle 27">
             <a:extLst>
               <a:ext uri="{FF2B5EF4-FFF2-40B4-BE49-F238E27FC236}">
                 <a16:creationId xmlns:a16="http://schemas.microsoft.com/office/drawing/2014/main" id="{F909EEE1-52DB-4A86-AFCE-CCE9041848D1}"/>
@@ -3871,16 +3871,17 @@
           </a:xfrm>
         </p:spPr>
         <p:txBody>
-          <a:bodyPr anchor="ctr">
+          <a:bodyPr>
             <a:normAutofit/>
           </a:bodyPr>
           <a:lstStyle/>
           <a:p>
-            <a:r>
-              <a:rPr lang="en-US" dirty="0"/>
-              <a:t>Presentation guidelines for the Demo Day</a:t>
-            </a:r>
-            <a:endParaRPr lang="en-IL" dirty="0"/>
+            <a:pPr algn="r"/>
+            <a:r>
+              <a:rPr lang="en-US" i="0" cap="none"/>
+              <a:t>Strategy for area defense using swarm intelligence</a:t>
+            </a:r>
+            <a:endParaRPr lang="en-IL" i="0" cap="none"/>
           </a:p>
         </p:txBody>
       </p:sp>
@@ -3919,10 +3920,10 @@
       </p:sp>
       <p:pic>
         <p:nvPicPr>
-          <p:cNvPr id="19" name="Picture 3" descr="3D rendering of stacked polygons in different colors">
-            <a:extLst>
-              <a:ext uri="{FF2B5EF4-FFF2-40B4-BE49-F238E27FC236}">
-                <a16:creationId xmlns:a16="http://schemas.microsoft.com/office/drawing/2014/main" id="{AF33E524-4834-4866-9507-66305A932ECC}"/>
+          <p:cNvPr id="5" name="Picture 4" descr="A picture containing text, automaton&#10;&#10;Description automatically generated">
+            <a:extLst>
+              <a:ext uri="{FF2B5EF4-FFF2-40B4-BE49-F238E27FC236}">
+                <a16:creationId xmlns:a16="http://schemas.microsoft.com/office/drawing/2014/main" id="{E3E94542-B74A-48B5-B8E9-F5AB8806F2F3}"/>
               </a:ext>
             </a:extLst>
           </p:cNvPr>
@@ -3933,13 +3934,13 @@
         </p:nvPicPr>
         <p:blipFill rotWithShape="1">
           <a:blip r:embed="rId2"/>
-          <a:srcRect l="30115" r="23055" b="-1"/>
+          <a:srcRect l="2310" r="9719"/>
           <a:stretch/>
         </p:blipFill>
         <p:spPr>
           <a:xfrm>
-            <a:off x="-2573" y="10"/>
-            <a:ext cx="4811317" cy="6857988"/>
+            <a:off x="-2572" y="10"/>
+            <a:ext cx="4721718" cy="6857988"/>
           </a:xfrm>
           <a:custGeom>
             <a:avLst/>
@@ -3969,7 +3970,7 @@
       </p:pic>
       <p:cxnSp>
         <p:nvCxnSpPr>
-          <p:cNvPr id="20" name="Straight Connector 12">
+          <p:cNvPr id="35" name="Straight Connector 29">
             <a:extLst>
               <a:ext uri="{FF2B5EF4-FFF2-40B4-BE49-F238E27FC236}">
                 <a16:creationId xmlns:a16="http://schemas.microsoft.com/office/drawing/2014/main" id="{326FE4BA-3BD1-4AB3-A3EB-39FF16D96403}"/>
@@ -4023,7 +4024,7 @@
       </p:cxnSp>
       <p:cxnSp>
         <p:nvCxnSpPr>
-          <p:cNvPr id="21" name="Straight Connector 14">
+          <p:cNvPr id="32" name="Straight Connector 31">
             <a:extLst>
               <a:ext uri="{FF2B5EF4-FFF2-40B4-BE49-F238E27FC236}">
                 <a16:creationId xmlns:a16="http://schemas.microsoft.com/office/drawing/2014/main" id="{CBD85EF3-E980-4EF9-BF91-C0540D302A95}"/>
@@ -4086,6 +4087,98 @@
   <p:clrMapOvr>
     <a:masterClrMapping/>
   </p:clrMapOvr>
+  <p:timing>
+    <p:tnLst>
+      <p:par>
+        <p:cTn id="1" dur="indefinite" restart="never" nodeType="tmRoot">
+          <p:childTnLst>
+            <p:seq concurrent="1" nextAc="seek">
+              <p:cTn id="2" dur="indefinite" nodeType="mainSeq">
+                <p:childTnLst>
+                  <p:par>
+                    <p:cTn id="3" fill="hold">
+                      <p:stCondLst>
+                        <p:cond delay="indefinite"/>
+                        <p:cond evt="onBegin" delay="0">
+                          <p:tn val="2"/>
+                        </p:cond>
+                      </p:stCondLst>
+                      <p:childTnLst>
+                        <p:par>
+                          <p:cTn id="4" fill="hold">
+                            <p:stCondLst>
+                              <p:cond delay="0"/>
+                            </p:stCondLst>
+                            <p:childTnLst>
+                              <p:par>
+                                <p:cTn id="5" presetID="10" presetClass="entr" presetSubtype="0" fill="hold" grpId="0" nodeType="withEffect">
+                                  <p:stCondLst>
+                                    <p:cond delay="1000"/>
+                                  </p:stCondLst>
+                                  <p:iterate>
+                                    <p:tmPct val="10000"/>
+                                  </p:iterate>
+                                  <p:childTnLst>
+                                    <p:set>
+                                      <p:cBhvr>
+                                        <p:cTn id="6" dur="1" fill="hold">
+                                          <p:stCondLst>
+                                            <p:cond delay="0"/>
+                                          </p:stCondLst>
+                                        </p:cTn>
+                                        <p:tgtEl>
+                                          <p:spTgt spid="2"/>
+                                        </p:tgtEl>
+                                        <p:attrNameLst>
+                                          <p:attrName>style.visibility</p:attrName>
+                                        </p:attrNameLst>
+                                      </p:cBhvr>
+                                      <p:to>
+                                        <p:strVal val="visible"/>
+                                      </p:to>
+                                    </p:set>
+                                    <p:animEffect transition="in" filter="fade">
+                                      <p:cBhvr>
+                                        <p:cTn id="7" dur="700"/>
+                                        <p:tgtEl>
+                                          <p:spTgt spid="2"/>
+                                        </p:tgtEl>
+                                      </p:cBhvr>
+                                    </p:animEffect>
+                                  </p:childTnLst>
+                                </p:cTn>
+                              </p:par>
+                            </p:childTnLst>
+                          </p:cTn>
+                        </p:par>
+                      </p:childTnLst>
+                    </p:cTn>
+                  </p:par>
+                </p:childTnLst>
+              </p:cTn>
+              <p:prevCondLst>
+                <p:cond evt="onPrev" delay="0">
+                  <p:tgtEl>
+                    <p:sldTgt/>
+                  </p:tgtEl>
+                </p:cond>
+              </p:prevCondLst>
+              <p:nextCondLst>
+                <p:cond evt="onNext" delay="0">
+                  <p:tgtEl>
+                    <p:sldTgt/>
+                  </p:tgtEl>
+                </p:cond>
+              </p:nextCondLst>
+            </p:seq>
+          </p:childTnLst>
+        </p:cTn>
+      </p:par>
+    </p:tnLst>
+    <p:bldLst>
+      <p:bldP spid="2" grpId="0"/>
+    </p:bldLst>
+  </p:timing>
 </p:sld>
 </file>
 
